--- a/Lecture-4.pptx
+++ b/Lecture-4.pptx
@@ -15916,8 +15916,8 @@
               <a:t>on </a:t>
             </a:r>
             <a:r>
-              <a:rPr lang="en-US" sz="1700" i="1" dirty="0" err="1"/>
-              <a:t>student_ID</a:t>
+              <a:rPr lang="en-US" sz="1700" i="1" dirty="0"/>
+              <a:t>student.ID</a:t>
             </a:r>
             <a:r>
               <a:rPr lang="en-US" sz="1700" b="1" dirty="0"/>
@@ -15932,10 +15932,9 @@
               <a:t> </a:t>
             </a:r>
             <a:r>
-              <a:rPr lang="en-US" sz="1700" i="1" dirty="0" err="1"/>
-              <a:t>takes_ID</a:t>
-            </a:r>
-            <a:endParaRPr lang="en-US" sz="1700" i="1" dirty="0"/>
+              <a:rPr lang="en-US" sz="1700" i="1" dirty="0"/>
+              <a:t>takes.ID</a:t>
+            </a:r>
           </a:p>
           <a:p>
             <a:pPr lvl="1">
@@ -16027,8 +16026,8 @@
               <a:t>where  </a:t>
             </a:r>
             <a:r>
-              <a:rPr lang="en-US" sz="1700" i="1" dirty="0" err="1"/>
-              <a:t>student_ID</a:t>
+              <a:rPr lang="en-US" sz="1700" i="1" dirty="0"/>
+              <a:t>student.ID</a:t>
             </a:r>
             <a:r>
               <a:rPr lang="en-US" sz="1700" b="1" dirty="0"/>
@@ -16043,8 +16042,8 @@
               <a:t> </a:t>
             </a:r>
             <a:r>
-              <a:rPr lang="en-US" sz="1700" i="1" dirty="0" err="1"/>
-              <a:t>takes_ID</a:t>
+              <a:rPr lang="en-US" sz="1700" i="1" dirty="0"/>
+              <a:t>takes.ID</a:t>
             </a:r>
             <a:endParaRPr lang="en-US" sz="1700" dirty="0"/>
           </a:p>
@@ -16225,8 +16224,8 @@
               <a:t>on </a:t>
             </a:r>
             <a:r>
-              <a:rPr lang="en-US" sz="1700" i="1" dirty="0" err="1"/>
-              <a:t>student_ID</a:t>
+              <a:rPr lang="en-US" sz="1700" i="1" dirty="0"/>
+              <a:t>student.ID</a:t>
             </a:r>
             <a:r>
               <a:rPr lang="en-US" sz="1700" b="1" dirty="0"/>
@@ -16241,10 +16240,9 @@
               <a:t> </a:t>
             </a:r>
             <a:r>
-              <a:rPr lang="en-US" sz="1700" i="1" dirty="0" err="1"/>
-              <a:t>takes_ID</a:t>
-            </a:r>
-            <a:endParaRPr lang="en-US" sz="1700" i="1" dirty="0"/>
+              <a:rPr lang="en-US" sz="1700" i="1" dirty="0"/>
+              <a:t>takes.ID</a:t>
+            </a:r>
           </a:p>
           <a:p>
             <a:pPr lvl="1">
@@ -16336,8 +16334,8 @@
               <a:t>where  </a:t>
             </a:r>
             <a:r>
-              <a:rPr lang="en-US" sz="1700" i="1" dirty="0" err="1"/>
-              <a:t>student_ID</a:t>
+              <a:rPr lang="en-US" sz="1700" i="1" dirty="0"/>
+              <a:t>student.ID</a:t>
             </a:r>
             <a:r>
               <a:rPr lang="en-US" sz="1700" b="1" dirty="0"/>
@@ -16352,8 +16350,8 @@
               <a:t> </a:t>
             </a:r>
             <a:r>
-              <a:rPr lang="en-US" sz="1700" i="1" dirty="0" err="1"/>
-              <a:t>takes_ID</a:t>
+              <a:rPr lang="en-US" sz="1700" i="1" dirty="0"/>
+              <a:t>takes.ID</a:t>
             </a:r>
             <a:endParaRPr lang="en-US" sz="1700" dirty="0"/>
           </a:p>
@@ -16871,8 +16869,12 @@
           <a:lstStyle/>
           <a:p>
             <a:r>
+              <a:rPr lang="en-US" altLang="en-US" sz="1700" dirty="0"/>
+              <a:t>SELECT * FROM</a:t>
+            </a:r>
+            <a:r>
               <a:rPr lang="en-US" altLang="en-US" sz="1700" i="1" dirty="0"/>
-              <a:t>course</a:t>
+              <a:t> course</a:t>
             </a:r>
             <a:r>
               <a:rPr lang="en-US" altLang="en-US" sz="1700" dirty="0"/>
@@ -16889,6 +16891,10 @@
             <a:r>
               <a:rPr lang="en-US" altLang="en-US" sz="1700" i="1" dirty="0" err="1"/>
               <a:t>prereq</a:t>
+            </a:r>
+            <a:r>
+              <a:rPr lang="en-US" altLang="en-US" sz="1700" i="1" dirty="0"/>
+              <a:t>;</a:t>
             </a:r>
             <a:endParaRPr lang="en-US" altLang="en-US" sz="1700" dirty="0"/>
           </a:p>
@@ -17043,8 +17049,12 @@
           <a:lstStyle/>
           <a:p>
             <a:r>
+              <a:rPr lang="en-US" altLang="en-US" sz="1700" dirty="0"/>
+              <a:t>SELECT * FROM</a:t>
+            </a:r>
+            <a:r>
               <a:rPr lang="en-US" altLang="en-US" sz="1700" i="1" dirty="0"/>
-              <a:t>course</a:t>
+              <a:t> course</a:t>
             </a:r>
             <a:r>
               <a:rPr lang="en-US" altLang="en-US" sz="1700" dirty="0"/>
@@ -17061,6 +17071,10 @@
             <a:r>
               <a:rPr lang="en-US" altLang="en-US" sz="1700" i="1" dirty="0" err="1"/>
               <a:t>prereq</a:t>
+            </a:r>
+            <a:r>
+              <a:rPr lang="en-US" altLang="en-US" sz="1700" i="1" dirty="0"/>
+              <a:t>;</a:t>
             </a:r>
             <a:endParaRPr lang="en-US" altLang="en-US" sz="1700" dirty="0"/>
           </a:p>
@@ -17217,8 +17231,12 @@
           <a:lstStyle/>
           <a:p>
             <a:r>
+              <a:rPr lang="en-US" altLang="en-US" sz="1700" dirty="0"/>
+              <a:t>SELECT * FROM</a:t>
+            </a:r>
+            <a:r>
               <a:rPr lang="en-US" altLang="en-US" sz="1700" i="1" dirty="0"/>
-              <a:t>course</a:t>
+              <a:t> course</a:t>
             </a:r>
             <a:r>
               <a:rPr lang="en-US" altLang="en-US" sz="1700" dirty="0"/>
@@ -17575,8 +17593,12 @@
           <a:lstStyle/>
           <a:p>
             <a:r>
+              <a:rPr lang="en-US" altLang="en-US" sz="1700" dirty="0"/>
+              <a:t>SELECT * FROM</a:t>
+            </a:r>
+            <a:r>
               <a:rPr lang="en-US" altLang="en-US" sz="1700" i="1" dirty="0"/>
-              <a:t>course</a:t>
+              <a:t> course</a:t>
             </a:r>
             <a:r>
               <a:rPr lang="en-US" altLang="en-US" sz="1700" b="1" dirty="0"/>
@@ -17605,8 +17627,12 @@
           </a:p>
           <a:p>
             <a:r>
+              <a:rPr lang="en-US" altLang="en-US" sz="1700" dirty="0"/>
+              <a:t>SELECT * FROM</a:t>
+            </a:r>
+            <a:r>
               <a:rPr lang="en-US" altLang="en-US" sz="1700" i="1" dirty="0"/>
-              <a:t>course</a:t>
+              <a:t> course</a:t>
             </a:r>
             <a:r>
               <a:rPr lang="en-US" altLang="en-US" sz="1700" b="1" dirty="0"/>
@@ -17893,8 +17919,12 @@
           <a:lstStyle/>
           <a:p>
             <a:r>
+              <a:rPr lang="en-US" altLang="en-US" sz="1700" dirty="0"/>
+              <a:t>SELECT * FROM</a:t>
+            </a:r>
+            <a:r>
               <a:rPr lang="en-US" altLang="en-US" sz="1700" i="1" dirty="0"/>
-              <a:t>course </a:t>
+              <a:t> course </a:t>
             </a:r>
             <a:r>
               <a:rPr lang="en-US" altLang="en-US" sz="1700" b="1" dirty="0"/>
@@ -17949,8 +17979,12 @@
           </a:p>
           <a:p>
             <a:r>
+              <a:rPr lang="en-US" altLang="en-US" sz="1700" dirty="0"/>
+              <a:t>SELECT * FROM</a:t>
+            </a:r>
+            <a:r>
               <a:rPr lang="en-US" altLang="en-US" sz="1700" i="1" dirty="0"/>
-              <a:t>course </a:t>
+              <a:t> course </a:t>
             </a:r>
             <a:r>
               <a:rPr lang="en-US" altLang="en-US" sz="1700" b="1" dirty="0"/>
@@ -18128,8 +18162,12 @@
           <a:lstStyle/>
           <a:p>
             <a:r>
+              <a:rPr lang="en-US" altLang="en-US" sz="1700" dirty="0"/>
+              <a:t>SELECT * FROM</a:t>
+            </a:r>
+            <a:r>
               <a:rPr lang="en-US" altLang="en-US" sz="1700" i="1" dirty="0"/>
-              <a:t>course</a:t>
+              <a:t> course</a:t>
             </a:r>
             <a:r>
               <a:rPr lang="en-US" altLang="en-US" sz="1700" b="1" dirty="0"/>
@@ -18158,8 +18196,12 @@
           </a:p>
           <a:p>
             <a:r>
+              <a:rPr lang="en-US" altLang="en-US" sz="1700" dirty="0"/>
+              <a:t>SELECT * FROM</a:t>
+            </a:r>
+            <a:r>
               <a:rPr lang="en-US" altLang="en-US" sz="1700" i="1" dirty="0"/>
-              <a:t>course</a:t>
+              <a:t> course</a:t>
             </a:r>
             <a:r>
               <a:rPr lang="en-US" altLang="en-US" sz="1700" b="1" dirty="0"/>
@@ -23910,7 +23952,7 @@
               <a:rPr lang="en-US" altLang="en-US" sz="1700" i="1" dirty="0">
                 <a:ea typeface="ＭＳ Ｐゴシック" pitchFamily="34" charset="-128"/>
               </a:rPr>
-              <a:t> students, takes</a:t>
+              <a:t> student, takes</a:t>
             </a:r>
             <a:br>
               <a:rPr lang="en-US" altLang="en-US" sz="1700" i="1" dirty="0">
@@ -29328,36 +29370,32 @@
               <a:t>where </a:t>
             </a:r>
             <a:r>
-              <a:rPr lang="en-US" sz="1700" i="1" dirty="0" err="1"/>
+              <a:rPr lang="en-US" sz="1700" i="1" dirty="0"/>
               <a:t>takes</a:t>
             </a:r>
             <a:r>
-              <a:rPr lang="en-US" sz="1700" dirty="0" err="1"/>
+              <a:rPr lang="en-US" sz="1700" dirty="0"/>
               <a:t>.</a:t>
             </a:r>
             <a:r>
-              <a:rPr lang="en-US" sz="1700" i="1" dirty="0" err="1"/>
-              <a:t>course_id</a:t>
-            </a:r>
-            <a:r>
               <a:rPr lang="en-US" sz="1700" i="1" dirty="0"/>
-              <a:t> </a:t>
+              <a:t>course.id </a:t>
             </a:r>
             <a:r>
               <a:rPr lang="en-US" sz="1700" dirty="0"/>
               <a:t>= </a:t>
             </a:r>
             <a:r>
-              <a:rPr lang="en-US" sz="1700" i="1" dirty="0" err="1"/>
+              <a:rPr lang="en-US" sz="1700" i="1" dirty="0"/>
               <a:t>course</a:t>
             </a:r>
             <a:r>
-              <a:rPr lang="en-US" sz="1700" dirty="0" err="1"/>
+              <a:rPr lang="en-US" sz="1700" dirty="0"/>
               <a:t>.</a:t>
             </a:r>
             <a:r>
-              <a:rPr lang="en-US" sz="1700" i="1" dirty="0" err="1"/>
-              <a:t>course_id</a:t>
+              <a:rPr lang="en-US" sz="1700" i="1" dirty="0"/>
+              <a:t>course.id</a:t>
             </a:r>
             <a:r>
               <a:rPr lang="en-US" sz="1700" dirty="0"/>
